--- a/Empresa e iniciativa emprendedora/Tema 3/UNIDAD 3 EL ENTORNO Y LA COMPETENCIA.pptx
+++ b/Empresa e iniciativa emprendedora/Tema 3/UNIDAD 3 EL ENTORNO Y LA COMPETENCIA.pptx
@@ -3997,14 +3997,14 @@
                 <a:spcPct val="100000"/>
               </a:lnSpc>
             </a:pPr>
-            <a:fld id="{A277B74A-3F69-4573-A7CF-9BE2205DA9ED}" type="datetime">
+            <a:fld id="{C23534E6-71BA-49F8-A570-BBDAB20CF9AA}" type="datetime">
               <a:rPr b="0" lang="es-ES" sz="800" spc="-1" strike="noStrike">
                 <a:solidFill>
                   <a:srgbClr val="438086"/>
                 </a:solidFill>
                 <a:latin typeface="Georgia"/>
               </a:rPr>
-              <a:t>30/10/20</a:t>
+              <a:t>3/11/20</a:t>
             </a:fld>
             <a:endParaRPr b="0" lang="es-ES" sz="800" spc="-1" strike="noStrike">
               <a:latin typeface="Times New Roman"/>
@@ -4067,7 +4067,7 @@
                 <a:spcPct val="100000"/>
               </a:lnSpc>
             </a:pPr>
-            <a:fld id="{974AFA23-7D3F-4ADF-B60D-E14E4DA7FD34}" type="slidenum">
+            <a:fld id="{A1AD9278-4728-4FBE-BDC0-541AED408F5C}" type="slidenum">
               <a:rPr b="0" lang="es-ES" sz="1800" spc="-1" strike="noStrike">
                 <a:solidFill>
                   <a:srgbClr val="ffffff"/>
@@ -5145,14 +5145,14 @@
                 <a:spcPct val="100000"/>
               </a:lnSpc>
             </a:pPr>
-            <a:fld id="{FFDE3E5C-0390-4B25-95C5-0F1EF54540A4}" type="datetime">
+            <a:fld id="{D45FC666-C2AA-44E7-8918-4AC866ECA79A}" type="datetime">
               <a:rPr b="0" lang="es-ES" sz="800" spc="-1" strike="noStrike">
                 <a:solidFill>
                   <a:srgbClr val="438086"/>
                 </a:solidFill>
                 <a:latin typeface="Georgia"/>
               </a:rPr>
-              <a:t>30/10/20</a:t>
+              <a:t>3/11/20</a:t>
             </a:fld>
             <a:endParaRPr b="0" lang="es-ES" sz="800" spc="-1" strike="noStrike">
               <a:latin typeface="Times New Roman"/>
@@ -5215,7 +5215,7 @@
                 <a:spcPct val="100000"/>
               </a:lnSpc>
             </a:pPr>
-            <a:fld id="{DB547685-9C5C-44C6-9E5B-11FE3D93193B}" type="slidenum">
+            <a:fld id="{4A6F0402-5AD6-4197-A48C-641403FAE042}" type="slidenum">
               <a:rPr b="0" lang="es-ES" sz="1800" spc="-1" strike="noStrike">
                 <a:solidFill>
                   <a:srgbClr val="ffffff"/>
@@ -5577,6 +5577,33 @@
       </p:sp>
     </p:spTree>
   </p:cSld>
+  <p:timing>
+    <p:tnLst>
+      <p:par>
+        <p:cTn id="19" dur="indefinite" restart="never" nodeType="tmRoot">
+          <p:childTnLst>
+            <p:seq>
+              <p:cTn id="20" dur="indefinite" nodeType="mainSeq"/>
+              <p:prevCondLst>
+                <p:cond delay="0" evt="onPrev">
+                  <p:tgtEl>
+                    <p:sldTgt/>
+                  </p:tgtEl>
+                </p:cond>
+              </p:prevCondLst>
+              <p:nextCondLst>
+                <p:cond delay="0" evt="onNext">
+                  <p:tgtEl>
+                    <p:sldTgt/>
+                  </p:tgtEl>
+                </p:cond>
+              </p:nextCondLst>
+            </p:seq>
+          </p:childTnLst>
+        </p:cTn>
+      </p:par>
+    </p:tnLst>
+  </p:timing>
 </p:sld>
 </file>
 
@@ -5802,6 +5829,33 @@
       </p:sp>
     </p:spTree>
   </p:cSld>
+  <p:timing>
+    <p:tnLst>
+      <p:par>
+        <p:cTn id="21" dur="indefinite" restart="never" nodeType="tmRoot">
+          <p:childTnLst>
+            <p:seq>
+              <p:cTn id="22" dur="indefinite" nodeType="mainSeq"/>
+              <p:prevCondLst>
+                <p:cond delay="0" evt="onPrev">
+                  <p:tgtEl>
+                    <p:sldTgt/>
+                  </p:tgtEl>
+                </p:cond>
+              </p:prevCondLst>
+              <p:nextCondLst>
+                <p:cond delay="0" evt="onNext">
+                  <p:tgtEl>
+                    <p:sldTgt/>
+                  </p:tgtEl>
+                </p:cond>
+              </p:nextCondLst>
+            </p:seq>
+          </p:childTnLst>
+        </p:cTn>
+      </p:par>
+    </p:tnLst>
+  </p:timing>
 </p:sld>
 </file>
 
@@ -6166,6 +6220,33 @@
       </p:sp>
     </p:spTree>
   </p:cSld>
+  <p:timing>
+    <p:tnLst>
+      <p:par>
+        <p:cTn id="23" dur="indefinite" restart="never" nodeType="tmRoot">
+          <p:childTnLst>
+            <p:seq>
+              <p:cTn id="24" dur="indefinite" nodeType="mainSeq"/>
+              <p:prevCondLst>
+                <p:cond delay="0" evt="onPrev">
+                  <p:tgtEl>
+                    <p:sldTgt/>
+                  </p:tgtEl>
+                </p:cond>
+              </p:prevCondLst>
+              <p:nextCondLst>
+                <p:cond delay="0" evt="onNext">
+                  <p:tgtEl>
+                    <p:sldTgt/>
+                  </p:tgtEl>
+                </p:cond>
+              </p:nextCondLst>
+            </p:seq>
+          </p:childTnLst>
+        </p:cTn>
+      </p:par>
+    </p:tnLst>
+  </p:timing>
 </p:sld>
 </file>
 
@@ -6450,6 +6531,33 @@
       </p:sp>
     </p:spTree>
   </p:cSld>
+  <p:timing>
+    <p:tnLst>
+      <p:par>
+        <p:cTn id="25" dur="indefinite" restart="never" nodeType="tmRoot">
+          <p:childTnLst>
+            <p:seq>
+              <p:cTn id="26" dur="indefinite" nodeType="mainSeq"/>
+              <p:prevCondLst>
+                <p:cond delay="0" evt="onPrev">
+                  <p:tgtEl>
+                    <p:sldTgt/>
+                  </p:tgtEl>
+                </p:cond>
+              </p:prevCondLst>
+              <p:nextCondLst>
+                <p:cond delay="0" evt="onNext">
+                  <p:tgtEl>
+                    <p:sldTgt/>
+                  </p:tgtEl>
+                </p:cond>
+              </p:nextCondLst>
+            </p:seq>
+          </p:childTnLst>
+        </p:cTn>
+      </p:par>
+    </p:tnLst>
+  </p:timing>
 </p:sld>
 </file>
 
@@ -7182,6 +7290,33 @@
       </p:graphicFrame>
     </p:spTree>
   </p:cSld>
+  <p:timing>
+    <p:tnLst>
+      <p:par>
+        <p:cTn id="27" dur="indefinite" restart="never" nodeType="tmRoot">
+          <p:childTnLst>
+            <p:seq>
+              <p:cTn id="28" dur="indefinite" nodeType="mainSeq"/>
+              <p:prevCondLst>
+                <p:cond delay="0" evt="onPrev">
+                  <p:tgtEl>
+                    <p:sldTgt/>
+                  </p:tgtEl>
+                </p:cond>
+              </p:prevCondLst>
+              <p:nextCondLst>
+                <p:cond delay="0" evt="onNext">
+                  <p:tgtEl>
+                    <p:sldTgt/>
+                  </p:tgtEl>
+                </p:cond>
+              </p:nextCondLst>
+            </p:seq>
+          </p:childTnLst>
+        </p:cTn>
+      </p:par>
+    </p:tnLst>
+  </p:timing>
 </p:sld>
 </file>
 
@@ -7338,6 +7473,33 @@
       </p:sp>
     </p:spTree>
   </p:cSld>
+  <p:timing>
+    <p:tnLst>
+      <p:par>
+        <p:cTn id="29" dur="indefinite" restart="never" nodeType="tmRoot">
+          <p:childTnLst>
+            <p:seq>
+              <p:cTn id="30" dur="indefinite" nodeType="mainSeq"/>
+              <p:prevCondLst>
+                <p:cond delay="0" evt="onPrev">
+                  <p:tgtEl>
+                    <p:sldTgt/>
+                  </p:tgtEl>
+                </p:cond>
+              </p:prevCondLst>
+              <p:nextCondLst>
+                <p:cond delay="0" evt="onNext">
+                  <p:tgtEl>
+                    <p:sldTgt/>
+                  </p:tgtEl>
+                </p:cond>
+              </p:nextCondLst>
+            </p:seq>
+          </p:childTnLst>
+        </p:cTn>
+      </p:par>
+    </p:tnLst>
+  </p:timing>
 </p:sld>
 </file>
 
@@ -7841,6 +8003,33 @@
       </p:sp>
     </p:spTree>
   </p:cSld>
+  <p:timing>
+    <p:tnLst>
+      <p:par>
+        <p:cTn id="31" dur="indefinite" restart="never" nodeType="tmRoot">
+          <p:childTnLst>
+            <p:seq>
+              <p:cTn id="32" dur="indefinite" nodeType="mainSeq"/>
+              <p:prevCondLst>
+                <p:cond delay="0" evt="onPrev">
+                  <p:tgtEl>
+                    <p:sldTgt/>
+                  </p:tgtEl>
+                </p:cond>
+              </p:prevCondLst>
+              <p:nextCondLst>
+                <p:cond delay="0" evt="onNext">
+                  <p:tgtEl>
+                    <p:sldTgt/>
+                  </p:tgtEl>
+                </p:cond>
+              </p:nextCondLst>
+            </p:seq>
+          </p:childTnLst>
+        </p:cTn>
+      </p:par>
+    </p:tnLst>
+  </p:timing>
 </p:sld>
 </file>
 
@@ -8006,7 +8195,7 @@
           <p:nvPr/>
         </p:nvGraphicFramePr>
         <p:xfrm>
-          <a:off x="683640" y="4581000"/>
+          <a:off x="705240" y="5038200"/>
           <a:ext cx="7920360" cy="1151640"/>
         </p:xfrm>
         <a:graphic>
@@ -8361,7 +8550,7 @@
         </p:nvSpPr>
         <p:spPr>
           <a:xfrm flipV="1">
-            <a:off x="1907640" y="4796280"/>
+            <a:off x="1800360" y="5184000"/>
             <a:ext cx="1439640" cy="215640"/>
           </a:xfrm>
           <a:custGeom>
@@ -8407,7 +8596,7 @@
         </p:nvSpPr>
         <p:spPr>
           <a:xfrm>
-            <a:off x="6012000" y="4797000"/>
+            <a:off x="5976360" y="5184000"/>
             <a:ext cx="1223640" cy="215640"/>
           </a:xfrm>
           <a:custGeom>
@@ -8453,7 +8642,7 @@
         </p:nvSpPr>
         <p:spPr>
           <a:xfrm flipH="1">
-            <a:off x="6011280" y="5445360"/>
+            <a:off x="5976000" y="5904360"/>
             <a:ext cx="1223640" cy="143640"/>
           </a:xfrm>
           <a:custGeom>
@@ -8499,7 +8688,7 @@
         </p:nvSpPr>
         <p:spPr>
           <a:xfrm flipH="1" flipV="1">
-            <a:off x="1906920" y="5444640"/>
+            <a:off x="1872000" y="5903640"/>
             <a:ext cx="1439640" cy="143640"/>
           </a:xfrm>
           <a:custGeom>
@@ -8539,6 +8728,33 @@
       </p:sp>
     </p:spTree>
   </p:cSld>
+  <p:timing>
+    <p:tnLst>
+      <p:par>
+        <p:cTn id="33" dur="indefinite" restart="never" nodeType="tmRoot">
+          <p:childTnLst>
+            <p:seq>
+              <p:cTn id="34" dur="indefinite" nodeType="mainSeq"/>
+              <p:prevCondLst>
+                <p:cond delay="0" evt="onPrev">
+                  <p:tgtEl>
+                    <p:sldTgt/>
+                  </p:tgtEl>
+                </p:cond>
+              </p:prevCondLst>
+              <p:nextCondLst>
+                <p:cond delay="0" evt="onNext">
+                  <p:tgtEl>
+                    <p:sldTgt/>
+                  </p:tgtEl>
+                </p:cond>
+              </p:nextCondLst>
+            </p:seq>
+          </p:childTnLst>
+        </p:cTn>
+      </p:par>
+    </p:tnLst>
+  </p:timing>
 </p:sld>
 </file>
 
@@ -8885,6 +9101,33 @@
       </p:sp>
     </p:spTree>
   </p:cSld>
+  <p:timing>
+    <p:tnLst>
+      <p:par>
+        <p:cTn id="35" dur="indefinite" restart="never" nodeType="tmRoot">
+          <p:childTnLst>
+            <p:seq>
+              <p:cTn id="36" dur="indefinite" nodeType="mainSeq"/>
+              <p:prevCondLst>
+                <p:cond delay="0" evt="onPrev">
+                  <p:tgtEl>
+                    <p:sldTgt/>
+                  </p:tgtEl>
+                </p:cond>
+              </p:prevCondLst>
+              <p:nextCondLst>
+                <p:cond delay="0" evt="onNext">
+                  <p:tgtEl>
+                    <p:sldTgt/>
+                  </p:tgtEl>
+                </p:cond>
+              </p:nextCondLst>
+            </p:seq>
+          </p:childTnLst>
+        </p:cTn>
+      </p:par>
+    </p:tnLst>
+  </p:timing>
 </p:sld>
 </file>
 
@@ -13269,6 +13512,33 @@
       </p:sp>
     </p:spTree>
   </p:cSld>
+  <p:timing>
+    <p:tnLst>
+      <p:par>
+        <p:cTn id="17" dur="indefinite" restart="never" nodeType="tmRoot">
+          <p:childTnLst>
+            <p:seq>
+              <p:cTn id="18" dur="indefinite" nodeType="mainSeq"/>
+              <p:prevCondLst>
+                <p:cond delay="0" evt="onPrev">
+                  <p:tgtEl>
+                    <p:sldTgt/>
+                  </p:tgtEl>
+                </p:cond>
+              </p:prevCondLst>
+              <p:nextCondLst>
+                <p:cond delay="0" evt="onNext">
+                  <p:tgtEl>
+                    <p:sldTgt/>
+                  </p:tgtEl>
+                </p:cond>
+              </p:nextCondLst>
+            </p:seq>
+          </p:childTnLst>
+        </p:cTn>
+      </p:par>
+    </p:tnLst>
+  </p:timing>
 </p:sld>
 </file>
 
